--- a/text_files/pandas_matplotlib_sklearn.pptx
+++ b/text_files/pandas_matplotlib_sklearn.pptx
@@ -5,11 +5,10 @@
     <p:sldMasterId id="2147483648" r:id="rId1"/>
   </p:sldMasterIdLst>
   <p:sldIdLst>
-    <p:sldId id="256" r:id="rId2"/>
-    <p:sldId id="257" r:id="rId3"/>
-    <p:sldId id="258" r:id="rId4"/>
-    <p:sldId id="259" r:id="rId5"/>
-    <p:sldId id="260" r:id="rId6"/>
+    <p:sldId id="257" r:id="rId2"/>
+    <p:sldId id="258" r:id="rId3"/>
+    <p:sldId id="259" r:id="rId4"/>
+    <p:sldId id="260" r:id="rId5"/>
   </p:sldIdLst>
   <p:sldSz cx="9144000" cy="6858000" type="screen4x3"/>
   <p:notesSz cx="6858000" cy="9144000"/>
@@ -108,6 +107,22 @@
       </a:defRPr>
     </a:lvl9pPr>
   </p:defaultTextStyle>
+  <p:extLst>
+    <p:ext uri="{EFAFB233-063F-42B5-8137-9DF3F51BA10A}">
+      <p15:sldGuideLst xmlns:p15="http://schemas.microsoft.com/office/powerpoint/2012/main">
+        <p15:guide id="1" orient="horz" pos="2160">
+          <p15:clr>
+            <a:srgbClr val="A4A3A4"/>
+          </p15:clr>
+        </p15:guide>
+        <p15:guide id="2" pos="2880">
+          <p15:clr>
+            <a:srgbClr val="A4A3A4"/>
+          </p15:clr>
+        </p15:guide>
+      </p15:sldGuideLst>
+    </p:ext>
+  </p:extLst>
 </p:presentation>
 </file>
 
@@ -149,10 +164,9 @@
           <a:lstStyle/>
           <a:p>
             <a:r>
-              <a:rPr lang="en-US" smtClean="0"/>
+              <a:rPr lang="en-US"/>
               <a:t>Click to edit Master title style</a:t>
             </a:r>
-            <a:endParaRPr lang="en-US"/>
           </a:p>
         </p:txBody>
       </p:sp>
@@ -268,10 +282,9 @@
           </a:lstStyle>
           <a:p>
             <a:r>
-              <a:rPr lang="en-US" smtClean="0"/>
+              <a:rPr lang="en-US"/>
               <a:t>Click to edit Master subtitle style</a:t>
             </a:r>
-            <a:endParaRPr lang="en-US"/>
           </a:p>
         </p:txBody>
       </p:sp>
@@ -292,7 +305,7 @@
           <a:p>
             <a:fld id="{623EE180-24D0-4226-88D4-3A1BFFDC4B38}" type="datetimeFigureOut">
               <a:rPr lang="en-US" smtClean="0"/>
-              <a:t>2/20/2022</a:t>
+              <a:t>7/16/2023</a:t>
             </a:fld>
             <a:endParaRPr lang="en-US"/>
           </a:p>
@@ -381,10 +394,9 @@
           <a:lstStyle/>
           <a:p>
             <a:r>
-              <a:rPr lang="en-US" smtClean="0"/>
+              <a:rPr lang="en-US"/>
               <a:t>Click to edit Master title style</a:t>
             </a:r>
-            <a:endParaRPr lang="en-US"/>
           </a:p>
         </p:txBody>
       </p:sp>
@@ -405,38 +417,37 @@
           <a:p>
             <a:pPr lvl="0"/>
             <a:r>
-              <a:rPr lang="en-US" smtClean="0"/>
+              <a:rPr lang="en-US"/>
               <a:t>Click to edit Master text styles</a:t>
             </a:r>
           </a:p>
           <a:p>
             <a:pPr lvl="1"/>
             <a:r>
-              <a:rPr lang="en-US" smtClean="0"/>
+              <a:rPr lang="en-US"/>
               <a:t>Second level</a:t>
             </a:r>
           </a:p>
           <a:p>
             <a:pPr lvl="2"/>
             <a:r>
-              <a:rPr lang="en-US" smtClean="0"/>
+              <a:rPr lang="en-US"/>
               <a:t>Third level</a:t>
             </a:r>
           </a:p>
           <a:p>
             <a:pPr lvl="3"/>
             <a:r>
-              <a:rPr lang="en-US" smtClean="0"/>
+              <a:rPr lang="en-US"/>
               <a:t>Fourth level</a:t>
             </a:r>
           </a:p>
           <a:p>
             <a:pPr lvl="4"/>
             <a:r>
-              <a:rPr lang="en-US" smtClean="0"/>
+              <a:rPr lang="en-US"/>
               <a:t>Fifth level</a:t>
             </a:r>
-            <a:endParaRPr lang="en-US"/>
           </a:p>
         </p:txBody>
       </p:sp>
@@ -457,7 +468,7 @@
           <a:p>
             <a:fld id="{623EE180-24D0-4226-88D4-3A1BFFDC4B38}" type="datetimeFigureOut">
               <a:rPr lang="en-US" smtClean="0"/>
-              <a:t>2/20/2022</a:t>
+              <a:t>7/16/2023</a:t>
             </a:fld>
             <a:endParaRPr lang="en-US"/>
           </a:p>
@@ -551,10 +562,9 @@
           <a:lstStyle/>
           <a:p>
             <a:r>
-              <a:rPr lang="en-US" smtClean="0"/>
+              <a:rPr lang="en-US"/>
               <a:t>Click to edit Master title style</a:t>
             </a:r>
-            <a:endParaRPr lang="en-US"/>
           </a:p>
         </p:txBody>
       </p:sp>
@@ -580,38 +590,37 @@
           <a:p>
             <a:pPr lvl="0"/>
             <a:r>
-              <a:rPr lang="en-US" smtClean="0"/>
+              <a:rPr lang="en-US"/>
               <a:t>Click to edit Master text styles</a:t>
             </a:r>
           </a:p>
           <a:p>
             <a:pPr lvl="1"/>
             <a:r>
-              <a:rPr lang="en-US" smtClean="0"/>
+              <a:rPr lang="en-US"/>
               <a:t>Second level</a:t>
             </a:r>
           </a:p>
           <a:p>
             <a:pPr lvl="2"/>
             <a:r>
-              <a:rPr lang="en-US" smtClean="0"/>
+              <a:rPr lang="en-US"/>
               <a:t>Third level</a:t>
             </a:r>
           </a:p>
           <a:p>
             <a:pPr lvl="3"/>
             <a:r>
-              <a:rPr lang="en-US" smtClean="0"/>
+              <a:rPr lang="en-US"/>
               <a:t>Fourth level</a:t>
             </a:r>
           </a:p>
           <a:p>
             <a:pPr lvl="4"/>
             <a:r>
-              <a:rPr lang="en-US" smtClean="0"/>
+              <a:rPr lang="en-US"/>
               <a:t>Fifth level</a:t>
             </a:r>
-            <a:endParaRPr lang="en-US"/>
           </a:p>
         </p:txBody>
       </p:sp>
@@ -632,7 +641,7 @@
           <a:p>
             <a:fld id="{623EE180-24D0-4226-88D4-3A1BFFDC4B38}" type="datetimeFigureOut">
               <a:rPr lang="en-US" smtClean="0"/>
-              <a:t>2/20/2022</a:t>
+              <a:t>7/16/2023</a:t>
             </a:fld>
             <a:endParaRPr lang="en-US"/>
           </a:p>
@@ -721,10 +730,9 @@
           <a:lstStyle/>
           <a:p>
             <a:r>
-              <a:rPr lang="en-US" smtClean="0"/>
+              <a:rPr lang="en-US"/>
               <a:t>Click to edit Master title style</a:t>
             </a:r>
-            <a:endParaRPr lang="en-US"/>
           </a:p>
         </p:txBody>
       </p:sp>
@@ -745,38 +753,37 @@
           <a:p>
             <a:pPr lvl="0"/>
             <a:r>
-              <a:rPr lang="en-US" smtClean="0"/>
+              <a:rPr lang="en-US"/>
               <a:t>Click to edit Master text styles</a:t>
             </a:r>
           </a:p>
           <a:p>
             <a:pPr lvl="1"/>
             <a:r>
-              <a:rPr lang="en-US" smtClean="0"/>
+              <a:rPr lang="en-US"/>
               <a:t>Second level</a:t>
             </a:r>
           </a:p>
           <a:p>
             <a:pPr lvl="2"/>
             <a:r>
-              <a:rPr lang="en-US" smtClean="0"/>
+              <a:rPr lang="en-US"/>
               <a:t>Third level</a:t>
             </a:r>
           </a:p>
           <a:p>
             <a:pPr lvl="3"/>
             <a:r>
-              <a:rPr lang="en-US" smtClean="0"/>
+              <a:rPr lang="en-US"/>
               <a:t>Fourth level</a:t>
             </a:r>
           </a:p>
           <a:p>
             <a:pPr lvl="4"/>
             <a:r>
-              <a:rPr lang="en-US" smtClean="0"/>
+              <a:rPr lang="en-US"/>
               <a:t>Fifth level</a:t>
             </a:r>
-            <a:endParaRPr lang="en-US"/>
           </a:p>
         </p:txBody>
       </p:sp>
@@ -797,7 +804,7 @@
           <a:p>
             <a:fld id="{623EE180-24D0-4226-88D4-3A1BFFDC4B38}" type="datetimeFigureOut">
               <a:rPr lang="en-US" smtClean="0"/>
-              <a:t>2/20/2022</a:t>
+              <a:t>7/16/2023</a:t>
             </a:fld>
             <a:endParaRPr lang="en-US"/>
           </a:p>
@@ -895,10 +902,9 @@
           </a:lstStyle>
           <a:p>
             <a:r>
-              <a:rPr lang="en-US" smtClean="0"/>
+              <a:rPr lang="en-US"/>
               <a:t>Click to edit Master title style</a:t>
             </a:r>
-            <a:endParaRPr lang="en-US"/>
           </a:p>
         </p:txBody>
       </p:sp>
@@ -1015,7 +1021,7 @@
           <a:p>
             <a:pPr lvl="0"/>
             <a:r>
-              <a:rPr lang="en-US" smtClean="0"/>
+              <a:rPr lang="en-US"/>
               <a:t>Click to edit Master text styles</a:t>
             </a:r>
           </a:p>
@@ -1038,7 +1044,7 @@
           <a:p>
             <a:fld id="{623EE180-24D0-4226-88D4-3A1BFFDC4B38}" type="datetimeFigureOut">
               <a:rPr lang="en-US" smtClean="0"/>
-              <a:t>2/20/2022</a:t>
+              <a:t>7/16/2023</a:t>
             </a:fld>
             <a:endParaRPr lang="en-US"/>
           </a:p>
@@ -1127,10 +1133,9 @@
           <a:lstStyle/>
           <a:p>
             <a:r>
-              <a:rPr lang="en-US" smtClean="0"/>
+              <a:rPr lang="en-US"/>
               <a:t>Click to edit Master title style</a:t>
             </a:r>
-            <a:endParaRPr lang="en-US"/>
           </a:p>
         </p:txBody>
       </p:sp>
@@ -1184,38 +1189,37 @@
           <a:p>
             <a:pPr lvl="0"/>
             <a:r>
-              <a:rPr lang="en-US" smtClean="0"/>
+              <a:rPr lang="en-US"/>
               <a:t>Click to edit Master text styles</a:t>
             </a:r>
           </a:p>
           <a:p>
             <a:pPr lvl="1"/>
             <a:r>
-              <a:rPr lang="en-US" smtClean="0"/>
+              <a:rPr lang="en-US"/>
               <a:t>Second level</a:t>
             </a:r>
           </a:p>
           <a:p>
             <a:pPr lvl="2"/>
             <a:r>
-              <a:rPr lang="en-US" smtClean="0"/>
+              <a:rPr lang="en-US"/>
               <a:t>Third level</a:t>
             </a:r>
           </a:p>
           <a:p>
             <a:pPr lvl="3"/>
             <a:r>
-              <a:rPr lang="en-US" smtClean="0"/>
+              <a:rPr lang="en-US"/>
               <a:t>Fourth level</a:t>
             </a:r>
           </a:p>
           <a:p>
             <a:pPr lvl="4"/>
             <a:r>
-              <a:rPr lang="en-US" smtClean="0"/>
+              <a:rPr lang="en-US"/>
               <a:t>Fifth level</a:t>
             </a:r>
-            <a:endParaRPr lang="en-US"/>
           </a:p>
         </p:txBody>
       </p:sp>
@@ -1269,38 +1273,37 @@
           <a:p>
             <a:pPr lvl="0"/>
             <a:r>
-              <a:rPr lang="en-US" smtClean="0"/>
+              <a:rPr lang="en-US"/>
               <a:t>Click to edit Master text styles</a:t>
             </a:r>
           </a:p>
           <a:p>
             <a:pPr lvl="1"/>
             <a:r>
-              <a:rPr lang="en-US" smtClean="0"/>
+              <a:rPr lang="en-US"/>
               <a:t>Second level</a:t>
             </a:r>
           </a:p>
           <a:p>
             <a:pPr lvl="2"/>
             <a:r>
-              <a:rPr lang="en-US" smtClean="0"/>
+              <a:rPr lang="en-US"/>
               <a:t>Third level</a:t>
             </a:r>
           </a:p>
           <a:p>
             <a:pPr lvl="3"/>
             <a:r>
-              <a:rPr lang="en-US" smtClean="0"/>
+              <a:rPr lang="en-US"/>
               <a:t>Fourth level</a:t>
             </a:r>
           </a:p>
           <a:p>
             <a:pPr lvl="4"/>
             <a:r>
-              <a:rPr lang="en-US" smtClean="0"/>
+              <a:rPr lang="en-US"/>
               <a:t>Fifth level</a:t>
             </a:r>
-            <a:endParaRPr lang="en-US"/>
           </a:p>
         </p:txBody>
       </p:sp>
@@ -1321,7 +1324,7 @@
           <a:p>
             <a:fld id="{623EE180-24D0-4226-88D4-3A1BFFDC4B38}" type="datetimeFigureOut">
               <a:rPr lang="en-US" smtClean="0"/>
-              <a:t>2/20/2022</a:t>
+              <a:t>7/16/2023</a:t>
             </a:fld>
             <a:endParaRPr lang="en-US"/>
           </a:p>
@@ -1414,10 +1417,9 @@
           </a:lstStyle>
           <a:p>
             <a:r>
-              <a:rPr lang="en-US" smtClean="0"/>
+              <a:rPr lang="en-US"/>
               <a:t>Click to edit Master title style</a:t>
             </a:r>
-            <a:endParaRPr lang="en-US"/>
           </a:p>
         </p:txBody>
       </p:sp>
@@ -1480,7 +1482,7 @@
           <a:p>
             <a:pPr lvl="0"/>
             <a:r>
-              <a:rPr lang="en-US" smtClean="0"/>
+              <a:rPr lang="en-US"/>
               <a:t>Click to edit Master text styles</a:t>
             </a:r>
           </a:p>
@@ -1536,38 +1538,37 @@
           <a:p>
             <a:pPr lvl="0"/>
             <a:r>
-              <a:rPr lang="en-US" smtClean="0"/>
+              <a:rPr lang="en-US"/>
               <a:t>Click to edit Master text styles</a:t>
             </a:r>
           </a:p>
           <a:p>
             <a:pPr lvl="1"/>
             <a:r>
-              <a:rPr lang="en-US" smtClean="0"/>
+              <a:rPr lang="en-US"/>
               <a:t>Second level</a:t>
             </a:r>
           </a:p>
           <a:p>
             <a:pPr lvl="2"/>
             <a:r>
-              <a:rPr lang="en-US" smtClean="0"/>
+              <a:rPr lang="en-US"/>
               <a:t>Third level</a:t>
             </a:r>
           </a:p>
           <a:p>
             <a:pPr lvl="3"/>
             <a:r>
-              <a:rPr lang="en-US" smtClean="0"/>
+              <a:rPr lang="en-US"/>
               <a:t>Fourth level</a:t>
             </a:r>
           </a:p>
           <a:p>
             <a:pPr lvl="4"/>
             <a:r>
-              <a:rPr lang="en-US" smtClean="0"/>
+              <a:rPr lang="en-US"/>
               <a:t>Fifth level</a:t>
             </a:r>
-            <a:endParaRPr lang="en-US"/>
           </a:p>
         </p:txBody>
       </p:sp>
@@ -1630,7 +1631,7 @@
           <a:p>
             <a:pPr lvl="0"/>
             <a:r>
-              <a:rPr lang="en-US" smtClean="0"/>
+              <a:rPr lang="en-US"/>
               <a:t>Click to edit Master text styles</a:t>
             </a:r>
           </a:p>
@@ -1686,38 +1687,37 @@
           <a:p>
             <a:pPr lvl="0"/>
             <a:r>
-              <a:rPr lang="en-US" smtClean="0"/>
+              <a:rPr lang="en-US"/>
               <a:t>Click to edit Master text styles</a:t>
             </a:r>
           </a:p>
           <a:p>
             <a:pPr lvl="1"/>
             <a:r>
-              <a:rPr lang="en-US" smtClean="0"/>
+              <a:rPr lang="en-US"/>
               <a:t>Second level</a:t>
             </a:r>
           </a:p>
           <a:p>
             <a:pPr lvl="2"/>
             <a:r>
-              <a:rPr lang="en-US" smtClean="0"/>
+              <a:rPr lang="en-US"/>
               <a:t>Third level</a:t>
             </a:r>
           </a:p>
           <a:p>
             <a:pPr lvl="3"/>
             <a:r>
-              <a:rPr lang="en-US" smtClean="0"/>
+              <a:rPr lang="en-US"/>
               <a:t>Fourth level</a:t>
             </a:r>
           </a:p>
           <a:p>
             <a:pPr lvl="4"/>
             <a:r>
-              <a:rPr lang="en-US" smtClean="0"/>
+              <a:rPr lang="en-US"/>
               <a:t>Fifth level</a:t>
             </a:r>
-            <a:endParaRPr lang="en-US"/>
           </a:p>
         </p:txBody>
       </p:sp>
@@ -1738,7 +1738,7 @@
           <a:p>
             <a:fld id="{623EE180-24D0-4226-88D4-3A1BFFDC4B38}" type="datetimeFigureOut">
               <a:rPr lang="en-US" smtClean="0"/>
-              <a:t>2/20/2022</a:t>
+              <a:t>7/16/2023</a:t>
             </a:fld>
             <a:endParaRPr lang="en-US"/>
           </a:p>
@@ -1827,10 +1827,9 @@
           <a:lstStyle/>
           <a:p>
             <a:r>
-              <a:rPr lang="en-US" smtClean="0"/>
+              <a:rPr lang="en-US"/>
               <a:t>Click to edit Master title style</a:t>
             </a:r>
-            <a:endParaRPr lang="en-US"/>
           </a:p>
         </p:txBody>
       </p:sp>
@@ -1851,7 +1850,7 @@
           <a:p>
             <a:fld id="{623EE180-24D0-4226-88D4-3A1BFFDC4B38}" type="datetimeFigureOut">
               <a:rPr lang="en-US" smtClean="0"/>
-              <a:t>2/20/2022</a:t>
+              <a:t>7/16/2023</a:t>
             </a:fld>
             <a:endParaRPr lang="en-US"/>
           </a:p>
@@ -1941,7 +1940,7 @@
           <a:p>
             <a:fld id="{623EE180-24D0-4226-88D4-3A1BFFDC4B38}" type="datetimeFigureOut">
               <a:rPr lang="en-US" smtClean="0"/>
-              <a:t>2/20/2022</a:t>
+              <a:t>7/16/2023</a:t>
             </a:fld>
             <a:endParaRPr lang="en-US"/>
           </a:p>
@@ -2039,10 +2038,9 @@
           </a:lstStyle>
           <a:p>
             <a:r>
-              <a:rPr lang="en-US" smtClean="0"/>
+              <a:rPr lang="en-US"/>
               <a:t>Click to edit Master title style</a:t>
             </a:r>
-            <a:endParaRPr lang="en-US"/>
           </a:p>
         </p:txBody>
       </p:sp>
@@ -2096,38 +2094,37 @@
           <a:p>
             <a:pPr lvl="0"/>
             <a:r>
-              <a:rPr lang="en-US" smtClean="0"/>
+              <a:rPr lang="en-US"/>
               <a:t>Click to edit Master text styles</a:t>
             </a:r>
           </a:p>
           <a:p>
             <a:pPr lvl="1"/>
             <a:r>
-              <a:rPr lang="en-US" smtClean="0"/>
+              <a:rPr lang="en-US"/>
               <a:t>Second level</a:t>
             </a:r>
           </a:p>
           <a:p>
             <a:pPr lvl="2"/>
             <a:r>
-              <a:rPr lang="en-US" smtClean="0"/>
+              <a:rPr lang="en-US"/>
               <a:t>Third level</a:t>
             </a:r>
           </a:p>
           <a:p>
             <a:pPr lvl="3"/>
             <a:r>
-              <a:rPr lang="en-US" smtClean="0"/>
+              <a:rPr lang="en-US"/>
               <a:t>Fourth level</a:t>
             </a:r>
           </a:p>
           <a:p>
             <a:pPr lvl="4"/>
             <a:r>
-              <a:rPr lang="en-US" smtClean="0"/>
+              <a:rPr lang="en-US"/>
               <a:t>Fifth level</a:t>
             </a:r>
-            <a:endParaRPr lang="en-US"/>
           </a:p>
         </p:txBody>
       </p:sp>
@@ -2190,7 +2187,7 @@
           <a:p>
             <a:pPr lvl="0"/>
             <a:r>
-              <a:rPr lang="en-US" smtClean="0"/>
+              <a:rPr lang="en-US"/>
               <a:t>Click to edit Master text styles</a:t>
             </a:r>
           </a:p>
@@ -2213,7 +2210,7 @@
           <a:p>
             <a:fld id="{623EE180-24D0-4226-88D4-3A1BFFDC4B38}" type="datetimeFigureOut">
               <a:rPr lang="en-US" smtClean="0"/>
-              <a:t>2/20/2022</a:t>
+              <a:t>7/16/2023</a:t>
             </a:fld>
             <a:endParaRPr lang="en-US"/>
           </a:p>
@@ -2311,10 +2308,9 @@
           </a:lstStyle>
           <a:p>
             <a:r>
-              <a:rPr lang="en-US" smtClean="0"/>
+              <a:rPr lang="en-US"/>
               <a:t>Click to edit Master title style</a:t>
             </a:r>
-            <a:endParaRPr lang="en-US"/>
           </a:p>
         </p:txBody>
       </p:sp>
@@ -2438,7 +2434,7 @@
           <a:p>
             <a:pPr lvl="0"/>
             <a:r>
-              <a:rPr lang="en-US" smtClean="0"/>
+              <a:rPr lang="en-US"/>
               <a:t>Click to edit Master text styles</a:t>
             </a:r>
           </a:p>
@@ -2461,7 +2457,7 @@
           <a:p>
             <a:fld id="{623EE180-24D0-4226-88D4-3A1BFFDC4B38}" type="datetimeFigureOut">
               <a:rPr lang="en-US" smtClean="0"/>
-              <a:t>2/20/2022</a:t>
+              <a:t>7/16/2023</a:t>
             </a:fld>
             <a:endParaRPr lang="en-US"/>
           </a:p>
@@ -2565,10 +2561,9 @@
           <a:lstStyle/>
           <a:p>
             <a:r>
-              <a:rPr lang="en-US" smtClean="0"/>
+              <a:rPr lang="en-US"/>
               <a:t>Click to edit Master title style</a:t>
             </a:r>
-            <a:endParaRPr lang="en-US"/>
           </a:p>
         </p:txBody>
       </p:sp>
@@ -2599,38 +2594,37 @@
           <a:p>
             <a:pPr lvl="0"/>
             <a:r>
-              <a:rPr lang="en-US" smtClean="0"/>
+              <a:rPr lang="en-US"/>
               <a:t>Click to edit Master text styles</a:t>
             </a:r>
           </a:p>
           <a:p>
             <a:pPr lvl="1"/>
             <a:r>
-              <a:rPr lang="en-US" smtClean="0"/>
+              <a:rPr lang="en-US"/>
               <a:t>Second level</a:t>
             </a:r>
           </a:p>
           <a:p>
             <a:pPr lvl="2"/>
             <a:r>
-              <a:rPr lang="en-US" smtClean="0"/>
+              <a:rPr lang="en-US"/>
               <a:t>Third level</a:t>
             </a:r>
           </a:p>
           <a:p>
             <a:pPr lvl="3"/>
             <a:r>
-              <a:rPr lang="en-US" smtClean="0"/>
+              <a:rPr lang="en-US"/>
               <a:t>Fourth level</a:t>
             </a:r>
           </a:p>
           <a:p>
             <a:pPr lvl="4"/>
             <a:r>
-              <a:rPr lang="en-US" smtClean="0"/>
+              <a:rPr lang="en-US"/>
               <a:t>Fifth level</a:t>
             </a:r>
-            <a:endParaRPr lang="en-US"/>
           </a:p>
         </p:txBody>
       </p:sp>
@@ -2669,7 +2663,7 @@
           <a:p>
             <a:fld id="{623EE180-24D0-4226-88D4-3A1BFFDC4B38}" type="datetimeFigureOut">
               <a:rPr lang="en-US" smtClean="0"/>
-              <a:t>2/20/2022</a:t>
+              <a:t>7/16/2023</a:t>
             </a:fld>
             <a:endParaRPr lang="en-US"/>
           </a:p>
@@ -3039,69 +3033,6 @@
           <a:chExt cx="0" cy="0"/>
         </a:xfrm>
       </p:grpSpPr>
-      <p:sp>
-        <p:nvSpPr>
-          <p:cNvPr id="2" name="Title 1"/>
-          <p:cNvSpPr>
-            <a:spLocks noGrp="1"/>
-          </p:cNvSpPr>
-          <p:nvPr>
-            <p:ph type="ctrTitle"/>
-          </p:nvPr>
-        </p:nvSpPr>
-        <p:spPr/>
-        <p:txBody>
-          <a:bodyPr/>
-          <a:lstStyle/>
-          <a:p>
-            <a:endParaRPr lang="en-US"/>
-          </a:p>
-        </p:txBody>
-      </p:sp>
-      <p:sp>
-        <p:nvSpPr>
-          <p:cNvPr id="3" name="Subtitle 2"/>
-          <p:cNvSpPr>
-            <a:spLocks noGrp="1"/>
-          </p:cNvSpPr>
-          <p:nvPr>
-            <p:ph type="subTitle" idx="1"/>
-          </p:nvPr>
-        </p:nvSpPr>
-        <p:spPr/>
-        <p:txBody>
-          <a:bodyPr/>
-          <a:lstStyle/>
-          <a:p>
-            <a:endParaRPr lang="en-US"/>
-          </a:p>
-        </p:txBody>
-      </p:sp>
-    </p:spTree>
-  </p:cSld>
-  <p:clrMapOvr>
-    <a:masterClrMapping/>
-  </p:clrMapOvr>
-</p:sld>
-</file>
-
-<file path=ppt/slides/slide2.xml><?xml version="1.0" encoding="utf-8"?>
-<p:sld xmlns:a="http://schemas.openxmlformats.org/drawingml/2006/main" xmlns:r="http://schemas.openxmlformats.org/officeDocument/2006/relationships" xmlns:p="http://schemas.openxmlformats.org/presentationml/2006/main">
-  <p:cSld>
-    <p:spTree>
-      <p:nvGrpSpPr>
-        <p:cNvPr id="1" name=""/>
-        <p:cNvGrpSpPr/>
-        <p:nvPr/>
-      </p:nvGrpSpPr>
-      <p:grpSpPr>
-        <a:xfrm>
-          <a:off x="0" y="0"/>
-          <a:ext cx="0" cy="0"/>
-          <a:chOff x="0" y="0"/>
-          <a:chExt cx="0" cy="0"/>
-        </a:xfrm>
-      </p:grpSpPr>
       <p:pic>
         <p:nvPicPr>
           <p:cNvPr id="1026" name="Picture 2" descr="Introduction To Python – Pandas – Shantha&amp;#39;s AI Views!"/>
@@ -3136,7 +3067,7 @@
 </p:sld>
 </file>
 
-<file path=ppt/slides/slide3.xml><?xml version="1.0" encoding="utf-8"?>
+<file path=ppt/slides/slide2.xml><?xml version="1.0" encoding="utf-8"?>
 <p:sld xmlns:a="http://schemas.openxmlformats.org/drawingml/2006/main" xmlns:r="http://schemas.openxmlformats.org/officeDocument/2006/relationships" xmlns:p="http://schemas.openxmlformats.org/presentationml/2006/main">
   <p:cSld>
     <p:spTree>
@@ -3217,7 +3148,7 @@
 </p:sld>
 </file>
 
-<file path=ppt/slides/slide4.xml><?xml version="1.0" encoding="utf-8"?>
+<file path=ppt/slides/slide3.xml><?xml version="1.0" encoding="utf-8"?>
 <p:sld xmlns:a="http://schemas.openxmlformats.org/drawingml/2006/main" xmlns:r="http://schemas.openxmlformats.org/officeDocument/2006/relationships" xmlns:p="http://schemas.openxmlformats.org/presentationml/2006/main">
   <p:cSld>
     <p:spTree>
@@ -3268,7 +3199,7 @@
 </p:sld>
 </file>
 
-<file path=ppt/slides/slide5.xml><?xml version="1.0" encoding="utf-8"?>
+<file path=ppt/slides/slide4.xml><?xml version="1.0" encoding="utf-8"?>
 <p:sld xmlns:a="http://schemas.openxmlformats.org/drawingml/2006/main" xmlns:r="http://schemas.openxmlformats.org/officeDocument/2006/relationships" xmlns:p="http://schemas.openxmlformats.org/presentationml/2006/main">
   <p:cSld>
     <p:spTree>
